--- a/Documentação/Sprint 1 - Entregavel do Projeto - Engenharia - v2 - Aluno.pptx
+++ b/Documentação/Sprint 1 - Entregavel do Projeto - Engenharia - v2 - Aluno.pptx
@@ -241,7 +241,7 @@
             <a:fld id="{C3CD65D1-5C11-455D-9F9A-0E035F00A0DA}" type="datetimeFigureOut">
               <a:rPr lang="pt-BR" smtClean="0"/>
               <a:pPr/>
-              <a:t>18/08/2021</a:t>
+              <a:t>19/08/2021</a:t>
             </a:fld>
             <a:endParaRPr lang="pt-BR"/>
           </a:p>
@@ -409,7 +409,7 @@
             <a:fld id="{A05DA3EF-18EA-43DE-B1BB-402A3C558822}" type="datetimeFigureOut">
               <a:rPr lang="pt-BR" smtClean="0"/>
               <a:pPr/>
-              <a:t>18/08/2021</a:t>
+              <a:t>19/08/2021</a:t>
             </a:fld>
             <a:endParaRPr lang="pt-BR"/>
           </a:p>
@@ -19040,6 +19040,12 @@
 </file>
 
 <file path=customXml/item1.xml><?xml version="1.0" encoding="utf-8"?>
+<p:properties xmlns:p="http://schemas.microsoft.com/office/2006/metadata/properties" xmlns:xsi="http://www.w3.org/2001/XMLSchema-instance" xmlns:pc="http://schemas.microsoft.com/office/infopath/2007/PartnerControls">
+  <documentManagement/>
+</p:properties>
+</file>
+
+<file path=customXml/item2.xml><?xml version="1.0" encoding="utf-8"?>
 <ct:contentTypeSchema xmlns:ct="http://schemas.microsoft.com/office/2006/metadata/contentType" xmlns:ma="http://schemas.microsoft.com/office/2006/metadata/properties/metaAttributes" ct:_="" ma:_="" ma:contentTypeName="Document" ma:contentTypeID="0x0101001132905C37EA9847A7207C4BBCCCD8F4" ma:contentTypeVersion="13" ma:contentTypeDescription="Create a new document." ma:contentTypeScope="" ma:versionID="0fa59793b99d27e1e0b856ab72ac2f0d">
   <xsd:schema xmlns:xsd="http://www.w3.org/2001/XMLSchema" xmlns:xs="http://www.w3.org/2001/XMLSchema" xmlns:p="http://schemas.microsoft.com/office/2006/metadata/properties" xmlns:ns3="4327b14a-fe89-488e-9f6d-9658cacf372b" xmlns:ns4="bbcd8c33-6940-4d4c-a587-bbc736ca1e4d" targetNamespace="http://schemas.microsoft.com/office/2006/metadata/properties" ma:root="true" ma:fieldsID="01494effa1b4414faf4d9851fe547c93" ns3:_="" ns4:_="">
     <xsd:import namespace="4327b14a-fe89-488e-9f6d-9658cacf372b"/>
@@ -19262,12 +19268,6 @@
 </ct:contentTypeSchema>
 </file>
 
-<file path=customXml/item2.xml><?xml version="1.0" encoding="utf-8"?>
-<p:properties xmlns:p="http://schemas.microsoft.com/office/2006/metadata/properties" xmlns:xsi="http://www.w3.org/2001/XMLSchema-instance" xmlns:pc="http://schemas.microsoft.com/office/infopath/2007/PartnerControls">
-  <documentManagement/>
-</p:properties>
-</file>
-
 <file path=customXml/item3.xml><?xml version="1.0" encoding="utf-8"?>
 <?mso-contentType ?>
 <FormTemplates xmlns="http://schemas.microsoft.com/sharepoint/v3/contenttype/forms">
@@ -19278,6 +19278,23 @@
 </file>
 
 <file path=customXml/itemProps1.xml><?xml version="1.0" encoding="utf-8"?>
+<ds:datastoreItem xmlns:ds="http://schemas.openxmlformats.org/officeDocument/2006/customXml" ds:itemID="{08323129-B204-40D5-AFF8-9C9A9BF3922E}">
+  <ds:schemaRefs>
+    <ds:schemaRef ds:uri="http://purl.org/dc/terms/"/>
+    <ds:schemaRef ds:uri="http://purl.org/dc/dcmitype/"/>
+    <ds:schemaRef ds:uri="http://schemas.microsoft.com/office/infopath/2007/PartnerControls"/>
+    <ds:schemaRef ds:uri="http://schemas.openxmlformats.org/package/2006/metadata/core-properties"/>
+    <ds:schemaRef ds:uri="http://purl.org/dc/elements/1.1/"/>
+    <ds:schemaRef ds:uri="bbcd8c33-6940-4d4c-a587-bbc736ca1e4d"/>
+    <ds:schemaRef ds:uri="http://schemas.microsoft.com/office/2006/documentManagement/types"/>
+    <ds:schemaRef ds:uri="4327b14a-fe89-488e-9f6d-9658cacf372b"/>
+    <ds:schemaRef ds:uri="http://schemas.microsoft.com/office/2006/metadata/properties"/>
+    <ds:schemaRef ds:uri="http://www.w3.org/XML/1998/namespace"/>
+  </ds:schemaRefs>
+</ds:datastoreItem>
+</file>
+
+<file path=customXml/itemProps2.xml><?xml version="1.0" encoding="utf-8"?>
 <ds:datastoreItem xmlns:ds="http://schemas.openxmlformats.org/officeDocument/2006/customXml" ds:itemID="{6DE4A8B5-68AC-4B03-B2A1-E04BE1806673}">
   <ds:schemaRefs>
     <ds:schemaRef ds:uri="http://schemas.microsoft.com/office/2006/metadata/contentType"/>
@@ -19296,23 +19313,6 @@
 </ds:datastoreItem>
 </file>
 
-<file path=customXml/itemProps2.xml><?xml version="1.0" encoding="utf-8"?>
-<ds:datastoreItem xmlns:ds="http://schemas.openxmlformats.org/officeDocument/2006/customXml" ds:itemID="{08323129-B204-40D5-AFF8-9C9A9BF3922E}">
-  <ds:schemaRefs>
-    <ds:schemaRef ds:uri="http://purl.org/dc/terms/"/>
-    <ds:schemaRef ds:uri="http://purl.org/dc/dcmitype/"/>
-    <ds:schemaRef ds:uri="http://schemas.microsoft.com/office/infopath/2007/PartnerControls"/>
-    <ds:schemaRef ds:uri="http://schemas.openxmlformats.org/package/2006/metadata/core-properties"/>
-    <ds:schemaRef ds:uri="http://purl.org/dc/elements/1.1/"/>
-    <ds:schemaRef ds:uri="bbcd8c33-6940-4d4c-a587-bbc736ca1e4d"/>
-    <ds:schemaRef ds:uri="http://schemas.microsoft.com/office/2006/documentManagement/types"/>
-    <ds:schemaRef ds:uri="4327b14a-fe89-488e-9f6d-9658cacf372b"/>
-    <ds:schemaRef ds:uri="http://schemas.microsoft.com/office/2006/metadata/properties"/>
-    <ds:schemaRef ds:uri="http://www.w3.org/XML/1998/namespace"/>
-  </ds:schemaRefs>
-</ds:datastoreItem>
-</file>
-
 <file path=customXml/itemProps3.xml><?xml version="1.0" encoding="utf-8"?>
 <ds:datastoreItem xmlns:ds="http://schemas.openxmlformats.org/officeDocument/2006/customXml" ds:itemID="{C5C26249-539D-4496-936B-3CD83A43905E}">
   <ds:schemaRefs>
